--- a/pics/2021-10-29-paired_t_test/pics.pptx
+++ b/pics/2021-10-29-paired_t_test/pics.pptx
@@ -104,6 +104,22 @@
       </a:defRPr>
     </a:lvl9pPr>
   </p:defaultTextStyle>
+  <p:extLst>
+    <p:ext uri="{EFAFB233-063F-42B5-8137-9DF3F51BA10A}">
+      <p15:sldGuideLst xmlns:p15="http://schemas.microsoft.com/office/powerpoint/2012/main">
+        <p15:guide id="1" orient="horz" pos="2160">
+          <p15:clr>
+            <a:srgbClr val="A4A3A4"/>
+          </p15:clr>
+        </p15:guide>
+        <p15:guide id="2" pos="2880">
+          <p15:clr>
+            <a:srgbClr val="A4A3A4"/>
+          </p15:clr>
+        </p15:guide>
+      </p15:sldGuideLst>
+    </p:ext>
+  </p:extLst>
 </p:presentation>
 </file>
 
@@ -145,10 +161,9 @@
           <a:lstStyle/>
           <a:p>
             <a:r>
-              <a:rPr lang="ko-KR" altLang="en-US" smtClean="0"/>
+              <a:rPr lang="ko-KR" altLang="en-US"/>
               <a:t>마스터 제목 스타일 편집</a:t>
             </a:r>
-            <a:endParaRPr lang="ko-KR" altLang="en-US"/>
           </a:p>
         </p:txBody>
       </p:sp>
@@ -264,10 +279,9 @@
           </a:lstStyle>
           <a:p>
             <a:r>
-              <a:rPr lang="ko-KR" altLang="en-US" smtClean="0"/>
+              <a:rPr lang="ko-KR" altLang="en-US"/>
               <a:t>마스터 부제목 스타일 편집</a:t>
             </a:r>
-            <a:endParaRPr lang="ko-KR" altLang="en-US"/>
           </a:p>
         </p:txBody>
       </p:sp>
@@ -288,7 +302,7 @@
           <a:p>
             <a:fld id="{B2FC0732-1B55-4150-BFB2-2881D9186ECA}" type="datetimeFigureOut">
               <a:rPr lang="ko-KR" altLang="en-US" smtClean="0"/>
-              <a:t>2021-10-29</a:t>
+              <a:t>2021-10-30</a:t>
             </a:fld>
             <a:endParaRPr lang="ko-KR" altLang="en-US"/>
           </a:p>
@@ -382,10 +396,9 @@
           <a:lstStyle/>
           <a:p>
             <a:r>
-              <a:rPr lang="ko-KR" altLang="en-US" smtClean="0"/>
+              <a:rPr lang="ko-KR" altLang="en-US"/>
               <a:t>마스터 제목 스타일 편집</a:t>
             </a:r>
-            <a:endParaRPr lang="ko-KR" altLang="en-US"/>
           </a:p>
         </p:txBody>
       </p:sp>
@@ -406,38 +419,37 @@
           <a:p>
             <a:pPr lvl="0"/>
             <a:r>
-              <a:rPr lang="ko-KR" altLang="en-US" smtClean="0"/>
+              <a:rPr lang="ko-KR" altLang="en-US"/>
               <a:t>마스터 텍스트 스타일을 편집합니다</a:t>
             </a:r>
           </a:p>
           <a:p>
             <a:pPr lvl="1"/>
             <a:r>
-              <a:rPr lang="ko-KR" altLang="en-US" smtClean="0"/>
+              <a:rPr lang="ko-KR" altLang="en-US"/>
               <a:t>둘째 수준</a:t>
             </a:r>
           </a:p>
           <a:p>
             <a:pPr lvl="2"/>
             <a:r>
-              <a:rPr lang="ko-KR" altLang="en-US" smtClean="0"/>
+              <a:rPr lang="ko-KR" altLang="en-US"/>
               <a:t>셋째 수준</a:t>
             </a:r>
           </a:p>
           <a:p>
             <a:pPr lvl="3"/>
             <a:r>
-              <a:rPr lang="ko-KR" altLang="en-US" smtClean="0"/>
+              <a:rPr lang="ko-KR" altLang="en-US"/>
               <a:t>넷째 수준</a:t>
             </a:r>
           </a:p>
           <a:p>
             <a:pPr lvl="4"/>
             <a:r>
-              <a:rPr lang="ko-KR" altLang="en-US" smtClean="0"/>
+              <a:rPr lang="ko-KR" altLang="en-US"/>
               <a:t>다섯째 수준</a:t>
             </a:r>
-            <a:endParaRPr lang="ko-KR" altLang="en-US"/>
           </a:p>
         </p:txBody>
       </p:sp>
@@ -458,7 +470,7 @@
           <a:p>
             <a:fld id="{B2FC0732-1B55-4150-BFB2-2881D9186ECA}" type="datetimeFigureOut">
               <a:rPr lang="ko-KR" altLang="en-US" smtClean="0"/>
-              <a:t>2021-10-29</a:t>
+              <a:t>2021-10-30</a:t>
             </a:fld>
             <a:endParaRPr lang="ko-KR" altLang="en-US"/>
           </a:p>
@@ -557,10 +569,9 @@
           <a:lstStyle/>
           <a:p>
             <a:r>
-              <a:rPr lang="ko-KR" altLang="en-US" smtClean="0"/>
+              <a:rPr lang="ko-KR" altLang="en-US"/>
               <a:t>마스터 제목 스타일 편집</a:t>
             </a:r>
-            <a:endParaRPr lang="ko-KR" altLang="en-US"/>
           </a:p>
         </p:txBody>
       </p:sp>
@@ -586,38 +597,37 @@
           <a:p>
             <a:pPr lvl="0"/>
             <a:r>
-              <a:rPr lang="ko-KR" altLang="en-US" smtClean="0"/>
+              <a:rPr lang="ko-KR" altLang="en-US"/>
               <a:t>마스터 텍스트 스타일을 편집합니다</a:t>
             </a:r>
           </a:p>
           <a:p>
             <a:pPr lvl="1"/>
             <a:r>
-              <a:rPr lang="ko-KR" altLang="en-US" smtClean="0"/>
+              <a:rPr lang="ko-KR" altLang="en-US"/>
               <a:t>둘째 수준</a:t>
             </a:r>
           </a:p>
           <a:p>
             <a:pPr lvl="2"/>
             <a:r>
-              <a:rPr lang="ko-KR" altLang="en-US" smtClean="0"/>
+              <a:rPr lang="ko-KR" altLang="en-US"/>
               <a:t>셋째 수준</a:t>
             </a:r>
           </a:p>
           <a:p>
             <a:pPr lvl="3"/>
             <a:r>
-              <a:rPr lang="ko-KR" altLang="en-US" smtClean="0"/>
+              <a:rPr lang="ko-KR" altLang="en-US"/>
               <a:t>넷째 수준</a:t>
             </a:r>
           </a:p>
           <a:p>
             <a:pPr lvl="4"/>
             <a:r>
-              <a:rPr lang="ko-KR" altLang="en-US" smtClean="0"/>
+              <a:rPr lang="ko-KR" altLang="en-US"/>
               <a:t>다섯째 수준</a:t>
             </a:r>
-            <a:endParaRPr lang="ko-KR" altLang="en-US"/>
           </a:p>
         </p:txBody>
       </p:sp>
@@ -638,7 +648,7 @@
           <a:p>
             <a:fld id="{B2FC0732-1B55-4150-BFB2-2881D9186ECA}" type="datetimeFigureOut">
               <a:rPr lang="ko-KR" altLang="en-US" smtClean="0"/>
-              <a:t>2021-10-29</a:t>
+              <a:t>2021-10-30</a:t>
             </a:fld>
             <a:endParaRPr lang="ko-KR" altLang="en-US"/>
           </a:p>
@@ -732,10 +742,9 @@
           <a:lstStyle/>
           <a:p>
             <a:r>
-              <a:rPr lang="ko-KR" altLang="en-US" smtClean="0"/>
+              <a:rPr lang="ko-KR" altLang="en-US"/>
               <a:t>마스터 제목 스타일 편집</a:t>
             </a:r>
-            <a:endParaRPr lang="ko-KR" altLang="en-US"/>
           </a:p>
         </p:txBody>
       </p:sp>
@@ -756,38 +765,37 @@
           <a:p>
             <a:pPr lvl="0"/>
             <a:r>
-              <a:rPr lang="ko-KR" altLang="en-US" smtClean="0"/>
+              <a:rPr lang="ko-KR" altLang="en-US"/>
               <a:t>마스터 텍스트 스타일을 편집합니다</a:t>
             </a:r>
           </a:p>
           <a:p>
             <a:pPr lvl="1"/>
             <a:r>
-              <a:rPr lang="ko-KR" altLang="en-US" smtClean="0"/>
+              <a:rPr lang="ko-KR" altLang="en-US"/>
               <a:t>둘째 수준</a:t>
             </a:r>
           </a:p>
           <a:p>
             <a:pPr lvl="2"/>
             <a:r>
-              <a:rPr lang="ko-KR" altLang="en-US" smtClean="0"/>
+              <a:rPr lang="ko-KR" altLang="en-US"/>
               <a:t>셋째 수준</a:t>
             </a:r>
           </a:p>
           <a:p>
             <a:pPr lvl="3"/>
             <a:r>
-              <a:rPr lang="ko-KR" altLang="en-US" smtClean="0"/>
+              <a:rPr lang="ko-KR" altLang="en-US"/>
               <a:t>넷째 수준</a:t>
             </a:r>
           </a:p>
           <a:p>
             <a:pPr lvl="4"/>
             <a:r>
-              <a:rPr lang="ko-KR" altLang="en-US" smtClean="0"/>
+              <a:rPr lang="ko-KR" altLang="en-US"/>
               <a:t>다섯째 수준</a:t>
             </a:r>
-            <a:endParaRPr lang="ko-KR" altLang="en-US"/>
           </a:p>
         </p:txBody>
       </p:sp>
@@ -808,7 +816,7 @@
           <a:p>
             <a:fld id="{B2FC0732-1B55-4150-BFB2-2881D9186ECA}" type="datetimeFigureOut">
               <a:rPr lang="ko-KR" altLang="en-US" smtClean="0"/>
-              <a:t>2021-10-29</a:t>
+              <a:t>2021-10-30</a:t>
             </a:fld>
             <a:endParaRPr lang="ko-KR" altLang="en-US"/>
           </a:p>
@@ -911,10 +919,9 @@
           </a:lstStyle>
           <a:p>
             <a:r>
-              <a:rPr lang="ko-KR" altLang="en-US" smtClean="0"/>
+              <a:rPr lang="ko-KR" altLang="en-US"/>
               <a:t>마스터 제목 스타일 편집</a:t>
             </a:r>
-            <a:endParaRPr lang="ko-KR" altLang="en-US"/>
           </a:p>
         </p:txBody>
       </p:sp>
@@ -1031,7 +1038,7 @@
           <a:p>
             <a:pPr lvl="0"/>
             <a:r>
-              <a:rPr lang="ko-KR" altLang="en-US" smtClean="0"/>
+              <a:rPr lang="ko-KR" altLang="en-US"/>
               <a:t>마스터 텍스트 스타일을 편집합니다</a:t>
             </a:r>
           </a:p>
@@ -1054,7 +1061,7 @@
           <a:p>
             <a:fld id="{B2FC0732-1B55-4150-BFB2-2881D9186ECA}" type="datetimeFigureOut">
               <a:rPr lang="ko-KR" altLang="en-US" smtClean="0"/>
-              <a:t>2021-10-29</a:t>
+              <a:t>2021-10-30</a:t>
             </a:fld>
             <a:endParaRPr lang="ko-KR" altLang="en-US"/>
           </a:p>
@@ -1148,10 +1155,9 @@
           <a:lstStyle/>
           <a:p>
             <a:r>
-              <a:rPr lang="ko-KR" altLang="en-US" smtClean="0"/>
+              <a:rPr lang="ko-KR" altLang="en-US"/>
               <a:t>마스터 제목 스타일 편집</a:t>
             </a:r>
-            <a:endParaRPr lang="ko-KR" altLang="en-US"/>
           </a:p>
         </p:txBody>
       </p:sp>
@@ -1205,38 +1211,37 @@
           <a:p>
             <a:pPr lvl="0"/>
             <a:r>
-              <a:rPr lang="ko-KR" altLang="en-US" smtClean="0"/>
+              <a:rPr lang="ko-KR" altLang="en-US"/>
               <a:t>마스터 텍스트 스타일을 편집합니다</a:t>
             </a:r>
           </a:p>
           <a:p>
             <a:pPr lvl="1"/>
             <a:r>
-              <a:rPr lang="ko-KR" altLang="en-US" smtClean="0"/>
+              <a:rPr lang="ko-KR" altLang="en-US"/>
               <a:t>둘째 수준</a:t>
             </a:r>
           </a:p>
           <a:p>
             <a:pPr lvl="2"/>
             <a:r>
-              <a:rPr lang="ko-KR" altLang="en-US" smtClean="0"/>
+              <a:rPr lang="ko-KR" altLang="en-US"/>
               <a:t>셋째 수준</a:t>
             </a:r>
           </a:p>
           <a:p>
             <a:pPr lvl="3"/>
             <a:r>
-              <a:rPr lang="ko-KR" altLang="en-US" smtClean="0"/>
+              <a:rPr lang="ko-KR" altLang="en-US"/>
               <a:t>넷째 수준</a:t>
             </a:r>
           </a:p>
           <a:p>
             <a:pPr lvl="4"/>
             <a:r>
-              <a:rPr lang="ko-KR" altLang="en-US" smtClean="0"/>
+              <a:rPr lang="ko-KR" altLang="en-US"/>
               <a:t>다섯째 수준</a:t>
             </a:r>
-            <a:endParaRPr lang="ko-KR" altLang="en-US"/>
           </a:p>
         </p:txBody>
       </p:sp>
@@ -1290,38 +1295,37 @@
           <a:p>
             <a:pPr lvl="0"/>
             <a:r>
-              <a:rPr lang="ko-KR" altLang="en-US" smtClean="0"/>
+              <a:rPr lang="ko-KR" altLang="en-US"/>
               <a:t>마스터 텍스트 스타일을 편집합니다</a:t>
             </a:r>
           </a:p>
           <a:p>
             <a:pPr lvl="1"/>
             <a:r>
-              <a:rPr lang="ko-KR" altLang="en-US" smtClean="0"/>
+              <a:rPr lang="ko-KR" altLang="en-US"/>
               <a:t>둘째 수준</a:t>
             </a:r>
           </a:p>
           <a:p>
             <a:pPr lvl="2"/>
             <a:r>
-              <a:rPr lang="ko-KR" altLang="en-US" smtClean="0"/>
+              <a:rPr lang="ko-KR" altLang="en-US"/>
               <a:t>셋째 수준</a:t>
             </a:r>
           </a:p>
           <a:p>
             <a:pPr lvl="3"/>
             <a:r>
-              <a:rPr lang="ko-KR" altLang="en-US" smtClean="0"/>
+              <a:rPr lang="ko-KR" altLang="en-US"/>
               <a:t>넷째 수준</a:t>
             </a:r>
           </a:p>
           <a:p>
             <a:pPr lvl="4"/>
             <a:r>
-              <a:rPr lang="ko-KR" altLang="en-US" smtClean="0"/>
+              <a:rPr lang="ko-KR" altLang="en-US"/>
               <a:t>다섯째 수준</a:t>
             </a:r>
-            <a:endParaRPr lang="ko-KR" altLang="en-US"/>
           </a:p>
         </p:txBody>
       </p:sp>
@@ -1342,7 +1346,7 @@
           <a:p>
             <a:fld id="{B2FC0732-1B55-4150-BFB2-2881D9186ECA}" type="datetimeFigureOut">
               <a:rPr lang="ko-KR" altLang="en-US" smtClean="0"/>
-              <a:t>2021-10-29</a:t>
+              <a:t>2021-10-30</a:t>
             </a:fld>
             <a:endParaRPr lang="ko-KR" altLang="en-US"/>
           </a:p>
@@ -1440,10 +1444,9 @@
           </a:lstStyle>
           <a:p>
             <a:r>
-              <a:rPr lang="ko-KR" altLang="en-US" smtClean="0"/>
+              <a:rPr lang="ko-KR" altLang="en-US"/>
               <a:t>마스터 제목 스타일 편집</a:t>
             </a:r>
-            <a:endParaRPr lang="ko-KR" altLang="en-US"/>
           </a:p>
         </p:txBody>
       </p:sp>
@@ -1506,7 +1509,7 @@
           <a:p>
             <a:pPr lvl="0"/>
             <a:r>
-              <a:rPr lang="ko-KR" altLang="en-US" smtClean="0"/>
+              <a:rPr lang="ko-KR" altLang="en-US"/>
               <a:t>마스터 텍스트 스타일을 편집합니다</a:t>
             </a:r>
           </a:p>
@@ -1562,38 +1565,37 @@
           <a:p>
             <a:pPr lvl="0"/>
             <a:r>
-              <a:rPr lang="ko-KR" altLang="en-US" smtClean="0"/>
+              <a:rPr lang="ko-KR" altLang="en-US"/>
               <a:t>마스터 텍스트 스타일을 편집합니다</a:t>
             </a:r>
           </a:p>
           <a:p>
             <a:pPr lvl="1"/>
             <a:r>
-              <a:rPr lang="ko-KR" altLang="en-US" smtClean="0"/>
+              <a:rPr lang="ko-KR" altLang="en-US"/>
               <a:t>둘째 수준</a:t>
             </a:r>
           </a:p>
           <a:p>
             <a:pPr lvl="2"/>
             <a:r>
-              <a:rPr lang="ko-KR" altLang="en-US" smtClean="0"/>
+              <a:rPr lang="ko-KR" altLang="en-US"/>
               <a:t>셋째 수준</a:t>
             </a:r>
           </a:p>
           <a:p>
             <a:pPr lvl="3"/>
             <a:r>
-              <a:rPr lang="ko-KR" altLang="en-US" smtClean="0"/>
+              <a:rPr lang="ko-KR" altLang="en-US"/>
               <a:t>넷째 수준</a:t>
             </a:r>
           </a:p>
           <a:p>
             <a:pPr lvl="4"/>
             <a:r>
-              <a:rPr lang="ko-KR" altLang="en-US" smtClean="0"/>
+              <a:rPr lang="ko-KR" altLang="en-US"/>
               <a:t>다섯째 수준</a:t>
             </a:r>
-            <a:endParaRPr lang="ko-KR" altLang="en-US"/>
           </a:p>
         </p:txBody>
       </p:sp>
@@ -1656,7 +1658,7 @@
           <a:p>
             <a:pPr lvl="0"/>
             <a:r>
-              <a:rPr lang="ko-KR" altLang="en-US" smtClean="0"/>
+              <a:rPr lang="ko-KR" altLang="en-US"/>
               <a:t>마스터 텍스트 스타일을 편집합니다</a:t>
             </a:r>
           </a:p>
@@ -1712,38 +1714,37 @@
           <a:p>
             <a:pPr lvl="0"/>
             <a:r>
-              <a:rPr lang="ko-KR" altLang="en-US" smtClean="0"/>
+              <a:rPr lang="ko-KR" altLang="en-US"/>
               <a:t>마스터 텍스트 스타일을 편집합니다</a:t>
             </a:r>
           </a:p>
           <a:p>
             <a:pPr lvl="1"/>
             <a:r>
-              <a:rPr lang="ko-KR" altLang="en-US" smtClean="0"/>
+              <a:rPr lang="ko-KR" altLang="en-US"/>
               <a:t>둘째 수준</a:t>
             </a:r>
           </a:p>
           <a:p>
             <a:pPr lvl="2"/>
             <a:r>
-              <a:rPr lang="ko-KR" altLang="en-US" smtClean="0"/>
+              <a:rPr lang="ko-KR" altLang="en-US"/>
               <a:t>셋째 수준</a:t>
             </a:r>
           </a:p>
           <a:p>
             <a:pPr lvl="3"/>
             <a:r>
-              <a:rPr lang="ko-KR" altLang="en-US" smtClean="0"/>
+              <a:rPr lang="ko-KR" altLang="en-US"/>
               <a:t>넷째 수준</a:t>
             </a:r>
           </a:p>
           <a:p>
             <a:pPr lvl="4"/>
             <a:r>
-              <a:rPr lang="ko-KR" altLang="en-US" smtClean="0"/>
+              <a:rPr lang="ko-KR" altLang="en-US"/>
               <a:t>다섯째 수준</a:t>
             </a:r>
-            <a:endParaRPr lang="ko-KR" altLang="en-US"/>
           </a:p>
         </p:txBody>
       </p:sp>
@@ -1764,7 +1765,7 @@
           <a:p>
             <a:fld id="{B2FC0732-1B55-4150-BFB2-2881D9186ECA}" type="datetimeFigureOut">
               <a:rPr lang="ko-KR" altLang="en-US" smtClean="0"/>
-              <a:t>2021-10-29</a:t>
+              <a:t>2021-10-30</a:t>
             </a:fld>
             <a:endParaRPr lang="ko-KR" altLang="en-US"/>
           </a:p>
@@ -1858,10 +1859,9 @@
           <a:lstStyle/>
           <a:p>
             <a:r>
-              <a:rPr lang="ko-KR" altLang="en-US" smtClean="0"/>
+              <a:rPr lang="ko-KR" altLang="en-US"/>
               <a:t>마스터 제목 스타일 편집</a:t>
             </a:r>
-            <a:endParaRPr lang="ko-KR" altLang="en-US"/>
           </a:p>
         </p:txBody>
       </p:sp>
@@ -1882,7 +1882,7 @@
           <a:p>
             <a:fld id="{B2FC0732-1B55-4150-BFB2-2881D9186ECA}" type="datetimeFigureOut">
               <a:rPr lang="ko-KR" altLang="en-US" smtClean="0"/>
-              <a:t>2021-10-29</a:t>
+              <a:t>2021-10-30</a:t>
             </a:fld>
             <a:endParaRPr lang="ko-KR" altLang="en-US"/>
           </a:p>
@@ -1977,7 +1977,7 @@
           <a:p>
             <a:fld id="{B2FC0732-1B55-4150-BFB2-2881D9186ECA}" type="datetimeFigureOut">
               <a:rPr lang="ko-KR" altLang="en-US" smtClean="0"/>
-              <a:t>2021-10-29</a:t>
+              <a:t>2021-10-30</a:t>
             </a:fld>
             <a:endParaRPr lang="ko-KR" altLang="en-US"/>
           </a:p>
@@ -2080,10 +2080,9 @@
           </a:lstStyle>
           <a:p>
             <a:r>
-              <a:rPr lang="ko-KR" altLang="en-US" smtClean="0"/>
+              <a:rPr lang="ko-KR" altLang="en-US"/>
               <a:t>마스터 제목 스타일 편집</a:t>
             </a:r>
-            <a:endParaRPr lang="ko-KR" altLang="en-US"/>
           </a:p>
         </p:txBody>
       </p:sp>
@@ -2137,38 +2136,37 @@
           <a:p>
             <a:pPr lvl="0"/>
             <a:r>
-              <a:rPr lang="ko-KR" altLang="en-US" smtClean="0"/>
+              <a:rPr lang="ko-KR" altLang="en-US"/>
               <a:t>마스터 텍스트 스타일을 편집합니다</a:t>
             </a:r>
           </a:p>
           <a:p>
             <a:pPr lvl="1"/>
             <a:r>
-              <a:rPr lang="ko-KR" altLang="en-US" smtClean="0"/>
+              <a:rPr lang="ko-KR" altLang="en-US"/>
               <a:t>둘째 수준</a:t>
             </a:r>
           </a:p>
           <a:p>
             <a:pPr lvl="2"/>
             <a:r>
-              <a:rPr lang="ko-KR" altLang="en-US" smtClean="0"/>
+              <a:rPr lang="ko-KR" altLang="en-US"/>
               <a:t>셋째 수준</a:t>
             </a:r>
           </a:p>
           <a:p>
             <a:pPr lvl="3"/>
             <a:r>
-              <a:rPr lang="ko-KR" altLang="en-US" smtClean="0"/>
+              <a:rPr lang="ko-KR" altLang="en-US"/>
               <a:t>넷째 수준</a:t>
             </a:r>
           </a:p>
           <a:p>
             <a:pPr lvl="4"/>
             <a:r>
-              <a:rPr lang="ko-KR" altLang="en-US" smtClean="0"/>
+              <a:rPr lang="ko-KR" altLang="en-US"/>
               <a:t>다섯째 수준</a:t>
             </a:r>
-            <a:endParaRPr lang="ko-KR" altLang="en-US"/>
           </a:p>
         </p:txBody>
       </p:sp>
@@ -2231,7 +2229,7 @@
           <a:p>
             <a:pPr lvl="0"/>
             <a:r>
-              <a:rPr lang="ko-KR" altLang="en-US" smtClean="0"/>
+              <a:rPr lang="ko-KR" altLang="en-US"/>
               <a:t>마스터 텍스트 스타일을 편집합니다</a:t>
             </a:r>
           </a:p>
@@ -2254,7 +2252,7 @@
           <a:p>
             <a:fld id="{B2FC0732-1B55-4150-BFB2-2881D9186ECA}" type="datetimeFigureOut">
               <a:rPr lang="ko-KR" altLang="en-US" smtClean="0"/>
-              <a:t>2021-10-29</a:t>
+              <a:t>2021-10-30</a:t>
             </a:fld>
             <a:endParaRPr lang="ko-KR" altLang="en-US"/>
           </a:p>
@@ -2357,10 +2355,9 @@
           </a:lstStyle>
           <a:p>
             <a:r>
-              <a:rPr lang="ko-KR" altLang="en-US" smtClean="0"/>
+              <a:rPr lang="ko-KR" altLang="en-US"/>
               <a:t>마스터 제목 스타일 편집</a:t>
             </a:r>
-            <a:endParaRPr lang="ko-KR" altLang="en-US"/>
           </a:p>
         </p:txBody>
       </p:sp>
@@ -2484,7 +2481,7 @@
           <a:p>
             <a:pPr lvl="0"/>
             <a:r>
-              <a:rPr lang="ko-KR" altLang="en-US" smtClean="0"/>
+              <a:rPr lang="ko-KR" altLang="en-US"/>
               <a:t>마스터 텍스트 스타일을 편집합니다</a:t>
             </a:r>
           </a:p>
@@ -2507,7 +2504,7 @@
           <a:p>
             <a:fld id="{B2FC0732-1B55-4150-BFB2-2881D9186ECA}" type="datetimeFigureOut">
               <a:rPr lang="ko-KR" altLang="en-US" smtClean="0"/>
-              <a:t>2021-10-29</a:t>
+              <a:t>2021-10-30</a:t>
             </a:fld>
             <a:endParaRPr lang="ko-KR" altLang="en-US"/>
           </a:p>
@@ -2616,10 +2613,9 @@
           <a:lstStyle/>
           <a:p>
             <a:r>
-              <a:rPr lang="ko-KR" altLang="en-US" smtClean="0"/>
+              <a:rPr lang="ko-KR" altLang="en-US"/>
               <a:t>마스터 제목 스타일 편집</a:t>
             </a:r>
-            <a:endParaRPr lang="ko-KR" altLang="en-US"/>
           </a:p>
         </p:txBody>
       </p:sp>
@@ -2650,38 +2646,37 @@
           <a:p>
             <a:pPr lvl="0"/>
             <a:r>
-              <a:rPr lang="ko-KR" altLang="en-US" smtClean="0"/>
+              <a:rPr lang="ko-KR" altLang="en-US"/>
               <a:t>마스터 텍스트 스타일을 편집합니다</a:t>
             </a:r>
           </a:p>
           <a:p>
             <a:pPr lvl="1"/>
             <a:r>
-              <a:rPr lang="ko-KR" altLang="en-US" smtClean="0"/>
+              <a:rPr lang="ko-KR" altLang="en-US"/>
               <a:t>둘째 수준</a:t>
             </a:r>
           </a:p>
           <a:p>
             <a:pPr lvl="2"/>
             <a:r>
-              <a:rPr lang="ko-KR" altLang="en-US" smtClean="0"/>
+              <a:rPr lang="ko-KR" altLang="en-US"/>
               <a:t>셋째 수준</a:t>
             </a:r>
           </a:p>
           <a:p>
             <a:pPr lvl="3"/>
             <a:r>
-              <a:rPr lang="ko-KR" altLang="en-US" smtClean="0"/>
+              <a:rPr lang="ko-KR" altLang="en-US"/>
               <a:t>넷째 수준</a:t>
             </a:r>
           </a:p>
           <a:p>
             <a:pPr lvl="4"/>
             <a:r>
-              <a:rPr lang="ko-KR" altLang="en-US" smtClean="0"/>
+              <a:rPr lang="ko-KR" altLang="en-US"/>
               <a:t>다섯째 수준</a:t>
             </a:r>
-            <a:endParaRPr lang="ko-KR" altLang="en-US"/>
           </a:p>
         </p:txBody>
       </p:sp>
@@ -2720,7 +2715,7 @@
           <a:p>
             <a:fld id="{B2FC0732-1B55-4150-BFB2-2881D9186ECA}" type="datetimeFigureOut">
               <a:rPr lang="ko-KR" altLang="en-US" smtClean="0"/>
-              <a:t>2021-10-29</a:t>
+              <a:t>2021-10-30</a:t>
             </a:fld>
             <a:endParaRPr lang="ko-KR" altLang="en-US"/>
           </a:p>
@@ -3097,66 +3092,32 @@
       </p:grpSpPr>
       <p:pic>
         <p:nvPicPr>
-          <p:cNvPr id="1026" name="Picture 2"/>
+          <p:cNvPr id="4" name="그림 3">
+            <a:extLst>
+              <a:ext uri="{FF2B5EF4-FFF2-40B4-BE49-F238E27FC236}">
+                <a16:creationId xmlns:a16="http://schemas.microsoft.com/office/drawing/2014/main" id="{303917C6-32A2-4496-9C44-219C37E711FD}"/>
+              </a:ext>
+            </a:extLst>
+          </p:cNvPr>
           <p:cNvPicPr>
-            <a:picLocks noChangeAspect="1" noChangeArrowheads="1"/>
+            <a:picLocks noChangeAspect="1"/>
           </p:cNvPicPr>
           <p:nvPr/>
         </p:nvPicPr>
         <p:blipFill>
-          <a:blip r:embed="rId2">
-            <a:extLst>
-              <a:ext uri="{28A0092B-C50C-407E-A947-70E740481C1C}">
-                <a14:useLocalDpi xmlns:a14="http://schemas.microsoft.com/office/drawing/2010/main" val="0"/>
-              </a:ext>
-            </a:extLst>
-          </a:blip>
-          <a:srcRect/>
+          <a:blip r:embed="rId2"/>
           <a:stretch>
             <a:fillRect/>
           </a:stretch>
         </p:blipFill>
-        <p:spPr bwMode="auto">
+        <p:spPr>
           <a:xfrm>
-            <a:off x="1004888" y="1433513"/>
-            <a:ext cx="7134225" cy="3990975"/>
+            <a:off x="1002030" y="1428750"/>
+            <a:ext cx="7139940" cy="4000500"/>
           </a:xfrm>
           <a:prstGeom prst="rect">
             <a:avLst/>
           </a:prstGeom>
-          <a:noFill/>
-          <a:ln>
-            <a:noFill/>
-          </a:ln>
-          <a:effectLst/>
-          <a:extLst>
-            <a:ext uri="{909E8E84-426E-40DD-AFC4-6F175D3DCCD1}">
-              <a14:hiddenFill xmlns:a14="http://schemas.microsoft.com/office/drawing/2010/main">
-                <a:solidFill>
-                  <a:schemeClr val="accent1"/>
-                </a:solidFill>
-              </a14:hiddenFill>
-            </a:ext>
-            <a:ext uri="{91240B29-F687-4F45-9708-019B960494DF}">
-              <a14:hiddenLine xmlns:a14="http://schemas.microsoft.com/office/drawing/2010/main" w="9525">
-                <a:solidFill>
-                  <a:schemeClr val="tx1"/>
-                </a:solidFill>
-                <a:miter lim="800000"/>
-                <a:headEnd/>
-                <a:tailEnd/>
-              </a14:hiddenLine>
-            </a:ext>
-            <a:ext uri="{AF507438-7753-43E0-B8FC-AC1667EBCBE1}">
-              <a14:hiddenEffects xmlns:a14="http://schemas.microsoft.com/office/drawing/2010/main">
-                <a:effectLst>
-                  <a:outerShdw dist="35921" dir="2700000" algn="ctr" rotWithShape="0">
-                    <a:schemeClr val="bg2"/>
-                  </a:outerShdw>
-                </a:effectLst>
-              </a14:hiddenEffects>
-            </a:ext>
-          </a:extLst>
         </p:spPr>
       </p:pic>
     </p:spTree>

--- a/pics/2021-10-29-paired_t_test/pics.pptx
+++ b/pics/2021-10-29-paired_t_test/pics.pptx
@@ -6,6 +6,7 @@
   </p:sldMasterIdLst>
   <p:sldIdLst>
     <p:sldId id="256" r:id="rId2"/>
+    <p:sldId id="257" r:id="rId3"/>
   </p:sldIdLst>
   <p:sldSz cx="9144000" cy="6858000" type="screen4x3"/>
   <p:notesSz cx="6858000" cy="9144000"/>
@@ -302,7 +303,7 @@
           <a:p>
             <a:fld id="{B2FC0732-1B55-4150-BFB2-2881D9186ECA}" type="datetimeFigureOut">
               <a:rPr lang="ko-KR" altLang="en-US" smtClean="0"/>
-              <a:t>2021-10-30</a:t>
+              <a:t>2023-05-12</a:t>
             </a:fld>
             <a:endParaRPr lang="ko-KR" altLang="en-US"/>
           </a:p>
@@ -470,7 +471,7 @@
           <a:p>
             <a:fld id="{B2FC0732-1B55-4150-BFB2-2881D9186ECA}" type="datetimeFigureOut">
               <a:rPr lang="ko-KR" altLang="en-US" smtClean="0"/>
-              <a:t>2021-10-30</a:t>
+              <a:t>2023-05-12</a:t>
             </a:fld>
             <a:endParaRPr lang="ko-KR" altLang="en-US"/>
           </a:p>
@@ -648,7 +649,7 @@
           <a:p>
             <a:fld id="{B2FC0732-1B55-4150-BFB2-2881D9186ECA}" type="datetimeFigureOut">
               <a:rPr lang="ko-KR" altLang="en-US" smtClean="0"/>
-              <a:t>2021-10-30</a:t>
+              <a:t>2023-05-12</a:t>
             </a:fld>
             <a:endParaRPr lang="ko-KR" altLang="en-US"/>
           </a:p>
@@ -816,7 +817,7 @@
           <a:p>
             <a:fld id="{B2FC0732-1B55-4150-BFB2-2881D9186ECA}" type="datetimeFigureOut">
               <a:rPr lang="ko-KR" altLang="en-US" smtClean="0"/>
-              <a:t>2021-10-30</a:t>
+              <a:t>2023-05-12</a:t>
             </a:fld>
             <a:endParaRPr lang="ko-KR" altLang="en-US"/>
           </a:p>
@@ -1061,7 +1062,7 @@
           <a:p>
             <a:fld id="{B2FC0732-1B55-4150-BFB2-2881D9186ECA}" type="datetimeFigureOut">
               <a:rPr lang="ko-KR" altLang="en-US" smtClean="0"/>
-              <a:t>2021-10-30</a:t>
+              <a:t>2023-05-12</a:t>
             </a:fld>
             <a:endParaRPr lang="ko-KR" altLang="en-US"/>
           </a:p>
@@ -1346,7 +1347,7 @@
           <a:p>
             <a:fld id="{B2FC0732-1B55-4150-BFB2-2881D9186ECA}" type="datetimeFigureOut">
               <a:rPr lang="ko-KR" altLang="en-US" smtClean="0"/>
-              <a:t>2021-10-30</a:t>
+              <a:t>2023-05-12</a:t>
             </a:fld>
             <a:endParaRPr lang="ko-KR" altLang="en-US"/>
           </a:p>
@@ -1765,7 +1766,7 @@
           <a:p>
             <a:fld id="{B2FC0732-1B55-4150-BFB2-2881D9186ECA}" type="datetimeFigureOut">
               <a:rPr lang="ko-KR" altLang="en-US" smtClean="0"/>
-              <a:t>2021-10-30</a:t>
+              <a:t>2023-05-12</a:t>
             </a:fld>
             <a:endParaRPr lang="ko-KR" altLang="en-US"/>
           </a:p>
@@ -1882,7 +1883,7 @@
           <a:p>
             <a:fld id="{B2FC0732-1B55-4150-BFB2-2881D9186ECA}" type="datetimeFigureOut">
               <a:rPr lang="ko-KR" altLang="en-US" smtClean="0"/>
-              <a:t>2021-10-30</a:t>
+              <a:t>2023-05-12</a:t>
             </a:fld>
             <a:endParaRPr lang="ko-KR" altLang="en-US"/>
           </a:p>
@@ -1977,7 +1978,7 @@
           <a:p>
             <a:fld id="{B2FC0732-1B55-4150-BFB2-2881D9186ECA}" type="datetimeFigureOut">
               <a:rPr lang="ko-KR" altLang="en-US" smtClean="0"/>
-              <a:t>2021-10-30</a:t>
+              <a:t>2023-05-12</a:t>
             </a:fld>
             <a:endParaRPr lang="ko-KR" altLang="en-US"/>
           </a:p>
@@ -2252,7 +2253,7 @@
           <a:p>
             <a:fld id="{B2FC0732-1B55-4150-BFB2-2881D9186ECA}" type="datetimeFigureOut">
               <a:rPr lang="ko-KR" altLang="en-US" smtClean="0"/>
-              <a:t>2021-10-30</a:t>
+              <a:t>2023-05-12</a:t>
             </a:fld>
             <a:endParaRPr lang="ko-KR" altLang="en-US"/>
           </a:p>
@@ -2504,7 +2505,7 @@
           <a:p>
             <a:fld id="{B2FC0732-1B55-4150-BFB2-2881D9186ECA}" type="datetimeFigureOut">
               <a:rPr lang="ko-KR" altLang="en-US" smtClean="0"/>
-              <a:t>2021-10-30</a:t>
+              <a:t>2023-05-12</a:t>
             </a:fld>
             <a:endParaRPr lang="ko-KR" altLang="en-US"/>
           </a:p>
@@ -2715,7 +2716,7 @@
           <a:p>
             <a:fld id="{B2FC0732-1B55-4150-BFB2-2881D9186ECA}" type="datetimeFigureOut">
               <a:rPr lang="ko-KR" altLang="en-US" smtClean="0"/>
-              <a:t>2021-10-30</a:t>
+              <a:t>2023-05-12</a:t>
             </a:fld>
             <a:endParaRPr lang="ko-KR" altLang="en-US"/>
           </a:p>
@@ -3133,6 +3134,66 @@
 </p:sld>
 </file>
 
+<file path=ppt/slides/slide2.xml><?xml version="1.0" encoding="utf-8"?>
+<p:sld xmlns:a="http://schemas.openxmlformats.org/drawingml/2006/main" xmlns:r="http://schemas.openxmlformats.org/officeDocument/2006/relationships" xmlns:p="http://schemas.openxmlformats.org/presentationml/2006/main">
+  <p:cSld>
+    <p:spTree>
+      <p:nvGrpSpPr>
+        <p:cNvPr id="1" name=""/>
+        <p:cNvGrpSpPr/>
+        <p:nvPr/>
+      </p:nvGrpSpPr>
+      <p:grpSpPr>
+        <a:xfrm>
+          <a:off x="0" y="0"/>
+          <a:ext cx="0" cy="0"/>
+          <a:chOff x="0" y="0"/>
+          <a:chExt cx="0" cy="0"/>
+        </a:xfrm>
+      </p:grpSpPr>
+      <p:pic>
+        <p:nvPicPr>
+          <p:cNvPr id="5" name="Picture 4">
+            <a:extLst>
+              <a:ext uri="{FF2B5EF4-FFF2-40B4-BE49-F238E27FC236}">
+                <a16:creationId xmlns:a16="http://schemas.microsoft.com/office/drawing/2014/main" id="{A8EDF93E-68DB-8D4B-3FB2-8C49C3B0C75C}"/>
+              </a:ext>
+            </a:extLst>
+          </p:cNvPr>
+          <p:cNvPicPr>
+            <a:picLocks noChangeAspect="1"/>
+          </p:cNvPicPr>
+          <p:nvPr/>
+        </p:nvPicPr>
+        <p:blipFill>
+          <a:blip r:embed="rId2"/>
+          <a:stretch>
+            <a:fillRect/>
+          </a:stretch>
+        </p:blipFill>
+        <p:spPr>
+          <a:xfrm>
+            <a:off x="1000125" y="1428750"/>
+            <a:ext cx="7143750" cy="4000500"/>
+          </a:xfrm>
+          <a:prstGeom prst="rect">
+            <a:avLst/>
+          </a:prstGeom>
+        </p:spPr>
+      </p:pic>
+    </p:spTree>
+    <p:extLst>
+      <p:ext uri="{BB962C8B-B14F-4D97-AF65-F5344CB8AC3E}">
+        <p14:creationId xmlns:p14="http://schemas.microsoft.com/office/powerpoint/2010/main" val="1147113251"/>
+      </p:ext>
+    </p:extLst>
+  </p:cSld>
+  <p:clrMapOvr>
+    <a:masterClrMapping/>
+  </p:clrMapOvr>
+</p:sld>
+</file>
+
 <file path=ppt/theme/theme1.xml><?xml version="1.0" encoding="utf-8"?>
 <a:theme xmlns:a="http://schemas.openxmlformats.org/drawingml/2006/main" name="Office 테마">
   <a:themeElements>
